--- a/Brians Presentation'.pptx
+++ b/Brians Presentation'.pptx
@@ -3062,8 +3062,8 @@
         </p:blipFill>
         <p:spPr>
           <a:xfrm>
-            <a:off x="1264921" y="2320358"/>
-            <a:ext cx="9403080" cy="3932197"/>
+            <a:off x="1447800" y="2007247"/>
+            <a:ext cx="9585960" cy="4008674"/>
           </a:xfrm>
           <a:prstGeom prst="rect">
             <a:avLst/>
@@ -3151,13 +3151,13 @@
         </p:nvPicPr>
         <p:blipFill rotWithShape="1">
           <a:blip r:embed="rId2"/>
-          <a:srcRect l="27083" t="26510" r="27725" b="21038"/>
+          <a:srcRect l="27083" t="26510" r="27725" b="47339"/>
           <a:stretch/>
         </p:blipFill>
         <p:spPr bwMode="auto">
           <a:xfrm>
-            <a:off x="862012" y="2143307"/>
-            <a:ext cx="5378768" cy="3368487"/>
+            <a:off x="579120" y="2153222"/>
+            <a:ext cx="5069764" cy="1563281"/>
           </a:xfrm>
           <a:prstGeom prst="rect">
             <a:avLst/>
@@ -3182,7 +3182,7 @@
             </p:nvSpPr>
             <p:spPr>
               <a:xfrm>
-                <a:off x="7299960" y="1890206"/>
+                <a:off x="799206" y="5497064"/>
                 <a:ext cx="4300986" cy="903709"/>
               </a:xfrm>
               <a:prstGeom prst="rect">
@@ -3602,7 +3602,7 @@
             </p:nvSpPr>
             <p:spPr>
               <a:xfrm>
-                <a:off x="7299960" y="1890206"/>
+                <a:off x="799206" y="5497064"/>
                 <a:ext cx="4300986" cy="903709"/>
               </a:xfrm>
               <a:prstGeom prst="rect">
@@ -3640,7 +3640,7 @@
             </p:nvSpPr>
             <p:spPr>
               <a:xfrm>
-                <a:off x="7989176" y="4643242"/>
+                <a:off x="7517063" y="5521172"/>
                 <a:ext cx="1728678" cy="427746"/>
               </a:xfrm>
               <a:prstGeom prst="rect">
@@ -3797,7 +3797,7 @@
             </p:nvSpPr>
             <p:spPr>
               <a:xfrm>
-                <a:off x="7989176" y="4643242"/>
+                <a:off x="7517063" y="5521172"/>
                 <a:ext cx="1728678" cy="427746"/>
               </a:xfrm>
               <a:prstGeom prst="rect">
@@ -3835,7 +3835,7 @@
             </p:nvSpPr>
             <p:spPr>
               <a:xfrm>
-                <a:off x="7989176" y="3827551"/>
+                <a:off x="7517063" y="6034732"/>
                 <a:ext cx="1493358" cy="657681"/>
               </a:xfrm>
               <a:prstGeom prst="rect">
@@ -4010,7 +4010,7 @@
             </p:nvSpPr>
             <p:spPr>
               <a:xfrm>
-                <a:off x="7989176" y="3827551"/>
+                <a:off x="7517063" y="6034732"/>
                 <a:ext cx="1493358" cy="657681"/>
               </a:xfrm>
               <a:prstGeom prst="rect">
@@ -4048,7 +4048,7 @@
             </p:nvSpPr>
             <p:spPr>
               <a:xfrm>
-                <a:off x="7989176" y="3058605"/>
+                <a:off x="5460637" y="5628264"/>
                 <a:ext cx="1787797" cy="610936"/>
               </a:xfrm>
               <a:prstGeom prst="rect">
@@ -4196,7 +4196,7 @@
             </p:nvSpPr>
             <p:spPr>
               <a:xfrm>
-                <a:off x="7989176" y="3058605"/>
+                <a:off x="5460637" y="5628264"/>
                 <a:ext cx="1787797" cy="610936"/>
               </a:xfrm>
               <a:prstGeom prst="rect">
@@ -4234,7 +4234,7 @@
             </p:nvSpPr>
             <p:spPr>
               <a:xfrm>
-                <a:off x="8044191" y="5312398"/>
+                <a:off x="9514370" y="5850066"/>
                 <a:ext cx="1383327" cy="369332"/>
               </a:xfrm>
               <a:prstGeom prst="rect">
@@ -4354,7 +4354,7 @@
             </p:nvSpPr>
             <p:spPr>
               <a:xfrm>
-                <a:off x="8044191" y="5312398"/>
+                <a:off x="9514370" y="5850066"/>
                 <a:ext cx="1383327" cy="369332"/>
               </a:xfrm>
               <a:prstGeom prst="rect">
@@ -4363,7 +4363,7 @@
               <a:blipFill rotWithShape="0">
                 <a:blip r:embed="rId7"/>
                 <a:stretch>
-                  <a:fillRect t="-116393" r="-15859" b="-175410"/>
+                  <a:fillRect t="-118333" r="-15859" b="-180000"/>
                 </a:stretch>
               </a:blipFill>
             </p:spPr>
@@ -4418,6 +4418,103 @@
           </a:p>
         </p:txBody>
       </p:sp>
+      <p:sp>
+        <p:nvSpPr>
+          <p:cNvPr id="17" name="TextBox 16"/>
+          <p:cNvSpPr txBox="1"/>
+          <p:nvPr/>
+        </p:nvSpPr>
+        <p:spPr>
+          <a:xfrm>
+            <a:off x="579120" y="3960453"/>
+            <a:ext cx="5212080" cy="646331"/>
+          </a:xfrm>
+          <a:prstGeom prst="rect">
+            <a:avLst/>
+          </a:prstGeom>
+          <a:noFill/>
+        </p:spPr>
+        <p:txBody>
+          <a:bodyPr wrap="square" rtlCol="0">
+            <a:spAutoFit/>
+          </a:bodyPr>
+          <a:lstStyle/>
+          <a:p>
+            <a:pPr marL="285750" indent="-285750">
+              <a:buFont typeface="Arial" panose="020B0604020202020204" pitchFamily="34" charset="0"/>
+              <a:buChar char="•"/>
+            </a:pPr>
+            <a:r>
+              <a:rPr lang="en-US" dirty="0" smtClean="0"/>
+              <a:t>Actual PLL Implemented in squaring loop demodulator</a:t>
+            </a:r>
+            <a:endParaRPr lang="en-US" dirty="0"/>
+          </a:p>
+        </p:txBody>
+      </p:sp>
+      <p:sp>
+        <p:nvSpPr>
+          <p:cNvPr id="19" name="TextBox 18"/>
+          <p:cNvSpPr txBox="1"/>
+          <p:nvPr/>
+        </p:nvSpPr>
+        <p:spPr>
+          <a:xfrm>
+            <a:off x="6582381" y="3872786"/>
+            <a:ext cx="4970086" cy="646331"/>
+          </a:xfrm>
+          <a:prstGeom prst="rect">
+            <a:avLst/>
+          </a:prstGeom>
+          <a:noFill/>
+        </p:spPr>
+        <p:txBody>
+          <a:bodyPr wrap="square" rtlCol="0">
+            <a:spAutoFit/>
+          </a:bodyPr>
+          <a:lstStyle/>
+          <a:p>
+            <a:pPr marL="285750" indent="-285750">
+              <a:buFont typeface="Arial" panose="020B0604020202020204" pitchFamily="34" charset="0"/>
+              <a:buChar char="•"/>
+            </a:pPr>
+            <a:r>
+              <a:rPr lang="en-US" dirty="0" smtClean="0"/>
+              <a:t>Linearized PLL model used for verifying equations match actual PLL response</a:t>
+            </a:r>
+            <a:endParaRPr lang="en-US" dirty="0"/>
+          </a:p>
+        </p:txBody>
+      </p:sp>
+      <p:pic>
+        <p:nvPicPr>
+          <p:cNvPr id="20" name="Picture 19"/>
+          <p:cNvPicPr/>
+          <p:nvPr/>
+        </p:nvPicPr>
+        <p:blipFill rotWithShape="1">
+          <a:blip r:embed="rId2"/>
+          <a:srcRect l="27083" t="59767" r="27725" b="21112"/>
+          <a:stretch/>
+        </p:blipFill>
+        <p:spPr bwMode="auto">
+          <a:xfrm>
+            <a:off x="6430966" y="2153222"/>
+            <a:ext cx="5121501" cy="1330848"/>
+          </a:xfrm>
+          <a:prstGeom prst="rect">
+            <a:avLst/>
+          </a:prstGeom>
+          <a:ln>
+            <a:noFill/>
+          </a:ln>
+          <a:extLst>
+            <a:ext uri="{53640926-AAD7-44D8-BBD7-CCE9431645EC}">
+              <a14:shadowObscured xmlns:a14="http://schemas.microsoft.com/office/drawing/2010/main"/>
+            </a:ext>
+          </a:extLst>
+        </p:spPr>
+      </p:pic>
     </p:spTree>
     <p:extLst>
       <p:ext uri="{BB962C8B-B14F-4D97-AF65-F5344CB8AC3E}">
@@ -4549,6 +4646,78 @@
           </a:p>
         </p:txBody>
       </p:sp>
+      <p:sp>
+        <p:nvSpPr>
+          <p:cNvPr id="8" name="TextBox 7"/>
+          <p:cNvSpPr txBox="1"/>
+          <p:nvPr/>
+        </p:nvSpPr>
+        <p:spPr>
+          <a:xfrm>
+            <a:off x="579120" y="2087880"/>
+            <a:ext cx="3749040" cy="3693319"/>
+          </a:xfrm>
+          <a:prstGeom prst="rect">
+            <a:avLst/>
+          </a:prstGeom>
+          <a:noFill/>
+        </p:spPr>
+        <p:txBody>
+          <a:bodyPr wrap="square" rtlCol="0">
+            <a:spAutoFit/>
+          </a:bodyPr>
+          <a:lstStyle/>
+          <a:p>
+            <a:pPr marL="285750" indent="-285750">
+              <a:buFont typeface="Arial" panose="020B0604020202020204" pitchFamily="34" charset="0"/>
+              <a:buChar char="•"/>
+            </a:pPr>
+            <a:r>
+              <a:rPr lang="en-US" dirty="0" smtClean="0"/>
+              <a:t>Comparison of Actual PLL response and Linearized PLL response provides confidence our modem will perform according to equations on previous slide</a:t>
+            </a:r>
+          </a:p>
+          <a:p>
+            <a:pPr marL="285750" indent="-285750">
+              <a:buFont typeface="Arial" panose="020B0604020202020204" pitchFamily="34" charset="0"/>
+              <a:buChar char="•"/>
+            </a:pPr>
+            <a:endParaRPr lang="en-US" dirty="0"/>
+          </a:p>
+          <a:p>
+            <a:pPr marL="285750" indent="-285750">
+              <a:buFont typeface="Arial" panose="020B0604020202020204" pitchFamily="34" charset="0"/>
+              <a:buChar char="•"/>
+            </a:pPr>
+            <a:r>
+              <a:rPr lang="en-US" dirty="0" smtClean="0"/>
+              <a:t>Designed to have settling time of 1/1200 sec to minimize bit error during random phase shifts</a:t>
+            </a:r>
+          </a:p>
+          <a:p>
+            <a:pPr marL="285750" indent="-285750">
+              <a:buFont typeface="Arial" panose="020B0604020202020204" pitchFamily="34" charset="0"/>
+              <a:buChar char="•"/>
+            </a:pPr>
+            <a:endParaRPr lang="en-US" dirty="0"/>
+          </a:p>
+          <a:p>
+            <a:pPr marL="285750" indent="-285750">
+              <a:buFont typeface="Arial" panose="020B0604020202020204" pitchFamily="34" charset="0"/>
+              <a:buChar char="•"/>
+            </a:pPr>
+            <a:r>
+              <a:rPr lang="en-US" dirty="0" err="1" smtClean="0"/>
+              <a:t>Succesffuly</a:t>
+            </a:r>
+            <a:r>
+              <a:rPr lang="en-US" dirty="0" smtClean="0"/>
+              <a:t> tracks frequency steps of +/- 4800 Hz with settling time of 1.75msec</a:t>
+            </a:r>
+            <a:endParaRPr lang="en-US" dirty="0"/>
+          </a:p>
+        </p:txBody>
+      </p:sp>
     </p:spTree>
     <p:extLst>
       <p:ext uri="{BB962C8B-B14F-4D97-AF65-F5344CB8AC3E}">
@@ -4594,7 +4763,7 @@
         </p:nvSpPr>
         <p:spPr>
           <a:xfrm>
-            <a:off x="579120" y="533400"/>
+            <a:off x="685800" y="496961"/>
             <a:ext cx="11323320" cy="584775"/>
           </a:xfrm>
           <a:prstGeom prst="rect">
@@ -4624,47 +4793,18 @@
       </p:sp>
       <p:pic>
         <p:nvPicPr>
-          <p:cNvPr id="5" name="Picture 4"/>
+          <p:cNvPr id="6" name="Picture 5"/>
           <p:cNvPicPr/>
           <p:nvPr/>
         </p:nvPicPr>
         <p:blipFill rotWithShape="1">
           <a:blip r:embed="rId2"/>
-          <a:srcRect l="21635" t="35917" r="14263" b="13342"/>
-          <a:stretch/>
-        </p:blipFill>
-        <p:spPr bwMode="auto">
-          <a:xfrm>
-            <a:off x="641985" y="4027805"/>
-            <a:ext cx="5821680" cy="2590800"/>
-          </a:xfrm>
-          <a:prstGeom prst="rect">
-            <a:avLst/>
-          </a:prstGeom>
-          <a:ln>
-            <a:noFill/>
-          </a:ln>
-          <a:extLst>
-            <a:ext uri="{53640926-AAD7-44D8-BBD7-CCE9431645EC}">
-              <a14:shadowObscured xmlns:a14="http://schemas.microsoft.com/office/drawing/2010/main"/>
-            </a:ext>
-          </a:extLst>
-        </p:spPr>
-      </p:pic>
-      <p:pic>
-        <p:nvPicPr>
-          <p:cNvPr id="6" name="Picture 5"/>
-          <p:cNvPicPr/>
-          <p:nvPr/>
-        </p:nvPicPr>
-        <p:blipFill rotWithShape="1">
-          <a:blip r:embed="rId3"/>
           <a:srcRect l="1240" t="19384" r="1121" b="26169"/>
           <a:stretch/>
         </p:blipFill>
         <p:spPr bwMode="auto">
           <a:xfrm>
-            <a:off x="641985" y="1893887"/>
+            <a:off x="5516880" y="1781476"/>
             <a:ext cx="5821680" cy="1748473"/>
           </a:xfrm>
           <a:prstGeom prst="rect">
@@ -4680,6 +4820,158 @@
           </a:extLst>
         </p:spPr>
       </p:pic>
+      <p:sp>
+        <p:nvSpPr>
+          <p:cNvPr id="7" name="TextBox 6"/>
+          <p:cNvSpPr txBox="1"/>
+          <p:nvPr/>
+        </p:nvSpPr>
+        <p:spPr>
+          <a:xfrm>
+            <a:off x="579120" y="2037081"/>
+            <a:ext cx="3718560" cy="1200329"/>
+          </a:xfrm>
+          <a:prstGeom prst="rect">
+            <a:avLst/>
+          </a:prstGeom>
+          <a:noFill/>
+        </p:spPr>
+        <p:txBody>
+          <a:bodyPr wrap="square" rtlCol="0">
+            <a:spAutoFit/>
+          </a:bodyPr>
+          <a:lstStyle/>
+          <a:p>
+            <a:pPr marL="285750" indent="-285750">
+              <a:buFont typeface="Arial" panose="020B0604020202020204" pitchFamily="34" charset="0"/>
+              <a:buChar char="•"/>
+            </a:pPr>
+            <a:r>
+              <a:rPr lang="en-US" dirty="0" smtClean="0"/>
+              <a:t>Input data stream to early-late gate circuit after correlating the recovered carrier and received BPSK signal</a:t>
+            </a:r>
+            <a:endParaRPr lang="en-US" dirty="0"/>
+          </a:p>
+        </p:txBody>
+      </p:sp>
+      <p:sp>
+        <p:nvSpPr>
+          <p:cNvPr id="8" name="Rectangle 7"/>
+          <p:cNvSpPr/>
+          <p:nvPr/>
+        </p:nvSpPr>
+        <p:spPr>
+          <a:xfrm>
+            <a:off x="7574280" y="4193250"/>
+            <a:ext cx="3764280" cy="2585323"/>
+          </a:xfrm>
+          <a:prstGeom prst="rect">
+            <a:avLst/>
+          </a:prstGeom>
+        </p:spPr>
+        <p:txBody>
+          <a:bodyPr wrap="square">
+            <a:spAutoFit/>
+          </a:bodyPr>
+          <a:lstStyle/>
+          <a:p>
+            <a:pPr marL="285750" indent="-285750">
+              <a:buFont typeface="Arial" panose="020B0604020202020204" pitchFamily="34" charset="0"/>
+              <a:buChar char="•"/>
+            </a:pPr>
+            <a:r>
+              <a:rPr lang="en-US" dirty="0" smtClean="0">
+                <a:latin typeface="Times New Roman" panose="02020603050405020304" pitchFamily="18" charset="0"/>
+                <a:cs typeface="Times New Roman" panose="02020603050405020304" pitchFamily="18" charset="0"/>
+              </a:rPr>
+              <a:t>Top branch integrates from first half of bit period and bottom branch integrates second half of bit period</a:t>
+            </a:r>
+          </a:p>
+          <a:p>
+            <a:pPr marL="285750" indent="-285750">
+              <a:buFont typeface="Arial" panose="020B0604020202020204" pitchFamily="34" charset="0"/>
+              <a:buChar char="•"/>
+            </a:pPr>
+            <a:endParaRPr lang="en-US" dirty="0">
+              <a:latin typeface="Times New Roman" panose="02020603050405020304" pitchFamily="18" charset="0"/>
+              <a:cs typeface="Times New Roman" panose="02020603050405020304" pitchFamily="18" charset="0"/>
+            </a:endParaRPr>
+          </a:p>
+          <a:p>
+            <a:pPr marL="285750" indent="-285750">
+              <a:buFont typeface="Arial" panose="020B0604020202020204" pitchFamily="34" charset="0"/>
+              <a:buChar char="•"/>
+            </a:pPr>
+            <a:r>
+              <a:rPr lang="en-US" dirty="0" smtClean="0">
+                <a:latin typeface="Times New Roman" panose="02020603050405020304" pitchFamily="18" charset="0"/>
+                <a:cs typeface="Times New Roman" panose="02020603050405020304" pitchFamily="18" charset="0"/>
+              </a:rPr>
+              <a:t>Accumulated voltages are sampled and compared to generate an error that drives the VCO to the correct phase</a:t>
+            </a:r>
+            <a:endParaRPr lang="en-US" dirty="0">
+              <a:latin typeface="Times New Roman" panose="02020603050405020304" pitchFamily="18" charset="0"/>
+              <a:cs typeface="Times New Roman" panose="02020603050405020304" pitchFamily="18" charset="0"/>
+            </a:endParaRPr>
+          </a:p>
+        </p:txBody>
+      </p:sp>
+      <p:pic>
+        <p:nvPicPr>
+          <p:cNvPr id="9" name="Picture 8"/>
+          <p:cNvPicPr>
+            <a:picLocks noChangeAspect="1"/>
+          </p:cNvPicPr>
+          <p:nvPr/>
+        </p:nvPicPr>
+        <p:blipFill rotWithShape="1">
+          <a:blip r:embed="rId3"/>
+          <a:srcRect l="20095" t="40208" r="12768" b="16706"/>
+          <a:stretch/>
+        </p:blipFill>
+        <p:spPr>
+          <a:xfrm>
+            <a:off x="579120" y="4156316"/>
+            <a:ext cx="6202680" cy="2238026"/>
+          </a:xfrm>
+          <a:prstGeom prst="rect">
+            <a:avLst/>
+          </a:prstGeom>
+        </p:spPr>
+      </p:pic>
+      <p:cxnSp>
+        <p:nvCxnSpPr>
+          <p:cNvPr id="12" name="Straight Arrow Connector 11"/>
+          <p:cNvCxnSpPr/>
+          <p:nvPr/>
+        </p:nvCxnSpPr>
+        <p:spPr>
+          <a:xfrm>
+            <a:off x="3962400" y="2618663"/>
+            <a:ext cx="1432560" cy="17857"/>
+          </a:xfrm>
+          <a:prstGeom prst="straightConnector1">
+            <a:avLst/>
+          </a:prstGeom>
+          <a:ln w="25400">
+            <a:tailEnd type="triangle"/>
+          </a:ln>
+        </p:spPr>
+        <p:style>
+          <a:lnRef idx="1">
+            <a:schemeClr val="accent1"/>
+          </a:lnRef>
+          <a:fillRef idx="0">
+            <a:schemeClr val="accent1"/>
+          </a:fillRef>
+          <a:effectRef idx="0">
+            <a:schemeClr val="accent1"/>
+          </a:effectRef>
+          <a:fontRef idx="minor">
+            <a:schemeClr val="tx1"/>
+          </a:fontRef>
+        </p:style>
+      </p:cxnSp>
     </p:spTree>
     <p:extLst>
       <p:ext uri="{BB962C8B-B14F-4D97-AF65-F5344CB8AC3E}">
@@ -4766,8 +5058,8 @@
         </p:blipFill>
         <p:spPr bwMode="auto">
           <a:xfrm>
-            <a:off x="403860" y="1711324"/>
-            <a:ext cx="6804660" cy="4338955"/>
+            <a:off x="575310" y="1421764"/>
+            <a:ext cx="10980420" cy="4963796"/>
           </a:xfrm>
           <a:prstGeom prst="rect">
             <a:avLst/>
@@ -5738,7 +6030,7 @@
         <p:spPr>
           <a:xfrm>
             <a:off x="828916" y="2015309"/>
-            <a:ext cx="4263227" cy="1200329"/>
+            <a:ext cx="4566044" cy="1200329"/>
           </a:xfrm>
           <a:prstGeom prst="rect">
             <a:avLst/>
@@ -5784,7 +6076,7 @@
         <p:spPr>
           <a:xfrm>
             <a:off x="8239367" y="5313102"/>
-            <a:ext cx="3263187" cy="646331"/>
+            <a:ext cx="3263187" cy="1015663"/>
           </a:xfrm>
           <a:prstGeom prst="rect">
             <a:avLst/>
@@ -5801,11 +6093,18 @@
               <a:buChar char="•"/>
             </a:pPr>
             <a:r>
+              <a:rPr lang="en-US" sz="2400" b="1" dirty="0" smtClean="0">
+                <a:latin typeface="Times New Roman" panose="02020603050405020304" pitchFamily="18" charset="0"/>
+                <a:cs typeface="Times New Roman" panose="02020603050405020304" pitchFamily="18" charset="0"/>
+              </a:rPr>
+              <a:t>IMPLICATION</a:t>
+            </a:r>
+            <a:r>
               <a:rPr lang="en-US" dirty="0" smtClean="0">
                 <a:latin typeface="Times New Roman" panose="02020603050405020304" pitchFamily="18" charset="0"/>
                 <a:cs typeface="Times New Roman" panose="02020603050405020304" pitchFamily="18" charset="0"/>
               </a:rPr>
-              <a:t>IMPLICATION:  Necessitates need for differential encoding</a:t>
+              <a:t>:  Necessitates need for differential encoding</a:t>
             </a:r>
             <a:endParaRPr lang="en-US" dirty="0">
               <a:latin typeface="Times New Roman" panose="02020603050405020304" pitchFamily="18" charset="0"/>
@@ -5919,7 +6218,7 @@
         <p:spPr>
           <a:xfrm>
             <a:off x="8450580" y="2843255"/>
-            <a:ext cx="2476500" cy="2308324"/>
+            <a:ext cx="2476500" cy="2339102"/>
           </a:xfrm>
           <a:prstGeom prst="rect">
             <a:avLst/>
@@ -5960,11 +6259,18 @@
               <a:buChar char="•"/>
             </a:pPr>
             <a:r>
+              <a:rPr lang="en-US" sz="2000" b="1" dirty="0" smtClean="0">
+                <a:latin typeface="Times New Roman" panose="02020603050405020304" pitchFamily="18" charset="0"/>
+                <a:cs typeface="Times New Roman" panose="02020603050405020304" pitchFamily="18" charset="0"/>
+              </a:rPr>
+              <a:t>IMPLICATION</a:t>
+            </a:r>
+            <a:r>
               <a:rPr lang="en-US" dirty="0" smtClean="0">
                 <a:latin typeface="Times New Roman" panose="02020603050405020304" pitchFamily="18" charset="0"/>
                 <a:cs typeface="Times New Roman" panose="02020603050405020304" pitchFamily="18" charset="0"/>
               </a:rPr>
-              <a:t>IMPLICATION:  Necessitates need for AGC</a:t>
+              <a:t>:  Necessitates need for AGC</a:t>
             </a:r>
             <a:endParaRPr lang="en-US" dirty="0">
               <a:latin typeface="Times New Roman" panose="02020603050405020304" pitchFamily="18" charset="0"/>

--- a/Brians Presentation'.pptx
+++ b/Brians Presentation'.pptx
@@ -14,6 +14,7 @@
     <p:sldId id="263" r:id="rId8"/>
     <p:sldId id="258" r:id="rId9"/>
     <p:sldId id="264" r:id="rId10"/>
+    <p:sldId id="265" r:id="rId11"/>
   </p:sldIdLst>
   <p:sldSz cx="12192000" cy="6858000"/>
   <p:notesSz cx="6858000" cy="9144000"/>
@@ -112,6 +113,11 @@
       </a:defRPr>
     </a:lvl9pPr>
   </p:defaultTextStyle>
+  <p:extLst>
+    <p:ext uri="{EFAFB233-063F-42B5-8137-9DF3F51BA10A}">
+      <p15:sldGuideLst xmlns:p15="http://schemas.microsoft.com/office/powerpoint/2012/main"/>
+    </p:ext>
+  </p:extLst>
 </p:presentation>
 </file>
 
@@ -246,7 +252,7 @@
           <a:p>
             <a:fld id="{A5CB0B7C-2071-463D-AEE4-5CFFF22998A2}" type="datetimeFigureOut">
               <a:rPr lang="en-US" smtClean="0"/>
-              <a:t>12/4/2013</a:t>
+              <a:t>12/5/2013</a:t>
             </a:fld>
             <a:endParaRPr lang="en-US"/>
           </a:p>
@@ -416,7 +422,7 @@
           <a:p>
             <a:fld id="{A5CB0B7C-2071-463D-AEE4-5CFFF22998A2}" type="datetimeFigureOut">
               <a:rPr lang="en-US" smtClean="0"/>
-              <a:t>12/4/2013</a:t>
+              <a:t>12/5/2013</a:t>
             </a:fld>
             <a:endParaRPr lang="en-US"/>
           </a:p>
@@ -596,7 +602,7 @@
           <a:p>
             <a:fld id="{A5CB0B7C-2071-463D-AEE4-5CFFF22998A2}" type="datetimeFigureOut">
               <a:rPr lang="en-US" smtClean="0"/>
-              <a:t>12/4/2013</a:t>
+              <a:t>12/5/2013</a:t>
             </a:fld>
             <a:endParaRPr lang="en-US"/>
           </a:p>
@@ -766,7 +772,7 @@
           <a:p>
             <a:fld id="{A5CB0B7C-2071-463D-AEE4-5CFFF22998A2}" type="datetimeFigureOut">
               <a:rPr lang="en-US" smtClean="0"/>
-              <a:t>12/4/2013</a:t>
+              <a:t>12/5/2013</a:t>
             </a:fld>
             <a:endParaRPr lang="en-US"/>
           </a:p>
@@ -1012,7 +1018,7 @@
           <a:p>
             <a:fld id="{A5CB0B7C-2071-463D-AEE4-5CFFF22998A2}" type="datetimeFigureOut">
               <a:rPr lang="en-US" smtClean="0"/>
-              <a:t>12/4/2013</a:t>
+              <a:t>12/5/2013</a:t>
             </a:fld>
             <a:endParaRPr lang="en-US"/>
           </a:p>
@@ -1244,7 +1250,7 @@
           <a:p>
             <a:fld id="{A5CB0B7C-2071-463D-AEE4-5CFFF22998A2}" type="datetimeFigureOut">
               <a:rPr lang="en-US" smtClean="0"/>
-              <a:t>12/4/2013</a:t>
+              <a:t>12/5/2013</a:t>
             </a:fld>
             <a:endParaRPr lang="en-US"/>
           </a:p>
@@ -1611,7 +1617,7 @@
           <a:p>
             <a:fld id="{A5CB0B7C-2071-463D-AEE4-5CFFF22998A2}" type="datetimeFigureOut">
               <a:rPr lang="en-US" smtClean="0"/>
-              <a:t>12/4/2013</a:t>
+              <a:t>12/5/2013</a:t>
             </a:fld>
             <a:endParaRPr lang="en-US"/>
           </a:p>
@@ -1729,7 +1735,7 @@
           <a:p>
             <a:fld id="{A5CB0B7C-2071-463D-AEE4-5CFFF22998A2}" type="datetimeFigureOut">
               <a:rPr lang="en-US" smtClean="0"/>
-              <a:t>12/4/2013</a:t>
+              <a:t>12/5/2013</a:t>
             </a:fld>
             <a:endParaRPr lang="en-US"/>
           </a:p>
@@ -1824,7 +1830,7 @@
           <a:p>
             <a:fld id="{A5CB0B7C-2071-463D-AEE4-5CFFF22998A2}" type="datetimeFigureOut">
               <a:rPr lang="en-US" smtClean="0"/>
-              <a:t>12/4/2013</a:t>
+              <a:t>12/5/2013</a:t>
             </a:fld>
             <a:endParaRPr lang="en-US"/>
           </a:p>
@@ -2101,7 +2107,7 @@
           <a:p>
             <a:fld id="{A5CB0B7C-2071-463D-AEE4-5CFFF22998A2}" type="datetimeFigureOut">
               <a:rPr lang="en-US" smtClean="0"/>
-              <a:t>12/4/2013</a:t>
+              <a:t>12/5/2013</a:t>
             </a:fld>
             <a:endParaRPr lang="en-US"/>
           </a:p>
@@ -2354,7 +2360,7 @@
           <a:p>
             <a:fld id="{A5CB0B7C-2071-463D-AEE4-5CFFF22998A2}" type="datetimeFigureOut">
               <a:rPr lang="en-US" smtClean="0"/>
-              <a:t>12/4/2013</a:t>
+              <a:t>12/5/2013</a:t>
             </a:fld>
             <a:endParaRPr lang="en-US"/>
           </a:p>
@@ -2567,7 +2573,7 @@
           <a:p>
             <a:fld id="{A5CB0B7C-2071-463D-AEE4-5CFFF22998A2}" type="datetimeFigureOut">
               <a:rPr lang="en-US" smtClean="0"/>
-              <a:t>12/4/2013</a:t>
+              <a:t>12/5/2013</a:t>
             </a:fld>
             <a:endParaRPr lang="en-US"/>
           </a:p>
@@ -3030,6 +3036,291 @@
 </p:sld>
 </file>
 
+<file path=ppt/slides/slide10.xml><?xml version="1.0" encoding="utf-8"?>
+<p:sld xmlns:a="http://schemas.openxmlformats.org/drawingml/2006/main" xmlns:r="http://schemas.openxmlformats.org/officeDocument/2006/relationships" xmlns:p="http://schemas.openxmlformats.org/presentationml/2006/main">
+  <p:cSld>
+    <p:spTree>
+      <p:nvGrpSpPr>
+        <p:cNvPr id="1" name=""/>
+        <p:cNvGrpSpPr/>
+        <p:nvPr/>
+      </p:nvGrpSpPr>
+      <p:grpSpPr>
+        <a:xfrm>
+          <a:off x="0" y="0"/>
+          <a:ext cx="0" cy="0"/>
+          <a:chOff x="0" y="0"/>
+          <a:chExt cx="0" cy="0"/>
+        </a:xfrm>
+      </p:grpSpPr>
+      <p:pic>
+        <p:nvPicPr>
+          <p:cNvPr id="4" name="Picture 3"/>
+          <p:cNvPicPr>
+            <a:picLocks noChangeAspect="1"/>
+          </p:cNvPicPr>
+          <p:nvPr/>
+        </p:nvPicPr>
+        <p:blipFill>
+          <a:blip r:embed="rId2">
+            <a:extLst>
+              <a:ext uri="{28A0092B-C50C-407E-A947-70E740481C1C}">
+                <a14:useLocalDpi xmlns:a14="http://schemas.microsoft.com/office/drawing/2010/main" val="0"/>
+              </a:ext>
+            </a:extLst>
+          </a:blip>
+          <a:stretch>
+            <a:fillRect/>
+          </a:stretch>
+        </p:blipFill>
+        <p:spPr>
+          <a:xfrm>
+            <a:off x="3281820" y="2221307"/>
+            <a:ext cx="5135671" cy="3838007"/>
+          </a:xfrm>
+          <a:prstGeom prst="rect">
+            <a:avLst/>
+          </a:prstGeom>
+        </p:spPr>
+      </p:pic>
+      <p:sp>
+        <p:nvSpPr>
+          <p:cNvPr id="5" name="TextBox 4"/>
+          <p:cNvSpPr txBox="1"/>
+          <p:nvPr/>
+        </p:nvSpPr>
+        <p:spPr>
+          <a:xfrm>
+            <a:off x="403860" y="533400"/>
+            <a:ext cx="11323320" cy="584775"/>
+          </a:xfrm>
+          <a:prstGeom prst="rect">
+            <a:avLst/>
+          </a:prstGeom>
+          <a:noFill/>
+        </p:spPr>
+        <p:txBody>
+          <a:bodyPr wrap="square" rtlCol="0">
+            <a:spAutoFit/>
+          </a:bodyPr>
+          <a:lstStyle/>
+          <a:p>
+            <a:r>
+              <a:rPr lang="en-US" sz="3200" dirty="0" smtClean="0">
+                <a:latin typeface="Times New Roman" panose="02020603050405020304" pitchFamily="18" charset="0"/>
+                <a:cs typeface="Times New Roman" panose="02020603050405020304" pitchFamily="18" charset="0"/>
+              </a:rPr>
+              <a:t>Future Work</a:t>
+            </a:r>
+            <a:endParaRPr lang="en-US" sz="3200" dirty="0">
+              <a:latin typeface="Times New Roman" panose="02020603050405020304" pitchFamily="18" charset="0"/>
+              <a:cs typeface="Times New Roman" panose="02020603050405020304" pitchFamily="18" charset="0"/>
+            </a:endParaRPr>
+          </a:p>
+        </p:txBody>
+      </p:sp>
+      <p:sp>
+        <p:nvSpPr>
+          <p:cNvPr id="6" name="TextBox 5"/>
+          <p:cNvSpPr txBox="1"/>
+          <p:nvPr/>
+        </p:nvSpPr>
+        <p:spPr>
+          <a:xfrm>
+            <a:off x="450936" y="2221307"/>
+            <a:ext cx="2542784" cy="3416320"/>
+          </a:xfrm>
+          <a:prstGeom prst="rect">
+            <a:avLst/>
+          </a:prstGeom>
+          <a:noFill/>
+        </p:spPr>
+        <p:txBody>
+          <a:bodyPr wrap="square" rtlCol="0">
+            <a:spAutoFit/>
+          </a:bodyPr>
+          <a:lstStyle/>
+          <a:p>
+            <a:pPr algn="ctr"/>
+            <a:r>
+              <a:rPr lang="en-US" u="sng" dirty="0" smtClean="0">
+                <a:latin typeface="+mj-lt"/>
+                <a:cs typeface="Times New Roman" panose="02020603050405020304" pitchFamily="18" charset="0"/>
+              </a:rPr>
+              <a:t>___</a:t>
+            </a:r>
+            <a:r>
+              <a:rPr lang="en-US" u="sng" dirty="0" smtClean="0">
+                <a:latin typeface="Times New Roman" panose="02020603050405020304" pitchFamily="18" charset="0"/>
+                <a:cs typeface="Times New Roman" panose="02020603050405020304" pitchFamily="18" charset="0"/>
+              </a:rPr>
+              <a:t>Winter Break</a:t>
+            </a:r>
+            <a:r>
+              <a:rPr lang="en-US" u="sng" dirty="0" smtClean="0">
+                <a:latin typeface="+mj-lt"/>
+                <a:cs typeface="Times New Roman" panose="02020603050405020304" pitchFamily="18" charset="0"/>
+              </a:rPr>
+              <a:t>___</a:t>
+            </a:r>
+          </a:p>
+          <a:p>
+            <a:endParaRPr lang="en-US" u="sng" dirty="0">
+              <a:latin typeface="Times New Roman" panose="02020603050405020304" pitchFamily="18" charset="0"/>
+              <a:cs typeface="Times New Roman" panose="02020603050405020304" pitchFamily="18" charset="0"/>
+            </a:endParaRPr>
+          </a:p>
+          <a:p>
+            <a:pPr marL="285750" indent="-285750">
+              <a:buFont typeface="Arial" panose="020B0604020202020204" pitchFamily="34" charset="0"/>
+              <a:buChar char="•"/>
+            </a:pPr>
+            <a:r>
+              <a:rPr lang="en-US" dirty="0" smtClean="0">
+                <a:latin typeface="Times New Roman" panose="02020603050405020304" pitchFamily="18" charset="0"/>
+                <a:cs typeface="Times New Roman" panose="02020603050405020304" pitchFamily="18" charset="0"/>
+              </a:rPr>
+              <a:t>Familiarization with System Generator and ISE Design Suite</a:t>
+            </a:r>
+          </a:p>
+          <a:p>
+            <a:pPr marL="285750" indent="-285750">
+              <a:buFont typeface="Arial" panose="020B0604020202020204" pitchFamily="34" charset="0"/>
+              <a:buChar char="•"/>
+            </a:pPr>
+            <a:endParaRPr lang="en-US" dirty="0">
+              <a:latin typeface="Times New Roman" panose="02020603050405020304" pitchFamily="18" charset="0"/>
+              <a:cs typeface="Times New Roman" panose="02020603050405020304" pitchFamily="18" charset="0"/>
+            </a:endParaRPr>
+          </a:p>
+          <a:p>
+            <a:pPr marL="285750" indent="-285750">
+              <a:buFont typeface="Arial" panose="020B0604020202020204" pitchFamily="34" charset="0"/>
+              <a:buChar char="•"/>
+            </a:pPr>
+            <a:r>
+              <a:rPr lang="en-US" dirty="0" smtClean="0">
+                <a:latin typeface="Times New Roman" panose="02020603050405020304" pitchFamily="18" charset="0"/>
+                <a:cs typeface="Times New Roman" panose="02020603050405020304" pitchFamily="18" charset="0"/>
+              </a:rPr>
+              <a:t>Begin conversion of Simulink systems and sub-systems into hardware realizable that are to be implemented in FPGA</a:t>
+            </a:r>
+            <a:endParaRPr lang="en-US" dirty="0">
+              <a:latin typeface="Times New Roman" panose="02020603050405020304" pitchFamily="18" charset="0"/>
+              <a:cs typeface="Times New Roman" panose="02020603050405020304" pitchFamily="18" charset="0"/>
+            </a:endParaRPr>
+          </a:p>
+        </p:txBody>
+      </p:sp>
+      <p:sp>
+        <p:nvSpPr>
+          <p:cNvPr id="7" name="TextBox 6"/>
+          <p:cNvSpPr txBox="1"/>
+          <p:nvPr/>
+        </p:nvSpPr>
+        <p:spPr>
+          <a:xfrm>
+            <a:off x="8753430" y="2221307"/>
+            <a:ext cx="2781510" cy="3139321"/>
+          </a:xfrm>
+          <a:prstGeom prst="rect">
+            <a:avLst/>
+          </a:prstGeom>
+          <a:noFill/>
+        </p:spPr>
+        <p:txBody>
+          <a:bodyPr wrap="square" rtlCol="0">
+            <a:spAutoFit/>
+          </a:bodyPr>
+          <a:lstStyle/>
+          <a:p>
+            <a:pPr algn="ctr"/>
+            <a:r>
+              <a:rPr lang="en-US" u="sng" dirty="0" smtClean="0"/>
+              <a:t>___</a:t>
+            </a:r>
+            <a:r>
+              <a:rPr lang="en-US" u="sng" dirty="0" smtClean="0">
+                <a:latin typeface="Times New Roman" panose="02020603050405020304" pitchFamily="18" charset="0"/>
+                <a:cs typeface="Times New Roman" panose="02020603050405020304" pitchFamily="18" charset="0"/>
+              </a:rPr>
+              <a:t>Senior Design II </a:t>
+            </a:r>
+            <a:r>
+              <a:rPr lang="en-US" u="sng" dirty="0" smtClean="0"/>
+              <a:t>___</a:t>
+            </a:r>
+          </a:p>
+          <a:p>
+            <a:endParaRPr lang="en-US" u="sng" dirty="0"/>
+          </a:p>
+          <a:p>
+            <a:pPr marL="285750" indent="-285750">
+              <a:buFont typeface="Arial" panose="020B0604020202020204" pitchFamily="34" charset="0"/>
+              <a:buChar char="•"/>
+            </a:pPr>
+            <a:r>
+              <a:rPr lang="en-US" dirty="0" smtClean="0"/>
+              <a:t>FPGA Implementation of FSK and BPSK modems</a:t>
+            </a:r>
+          </a:p>
+          <a:p>
+            <a:pPr marL="285750" indent="-285750">
+              <a:buFont typeface="Arial" panose="020B0604020202020204" pitchFamily="34" charset="0"/>
+              <a:buChar char="•"/>
+            </a:pPr>
+            <a:endParaRPr lang="en-US" dirty="0"/>
+          </a:p>
+          <a:p>
+            <a:pPr marL="285750" indent="-285750">
+              <a:buFont typeface="Arial" panose="020B0604020202020204" pitchFamily="34" charset="0"/>
+              <a:buChar char="•"/>
+            </a:pPr>
+            <a:r>
+              <a:rPr lang="en-US" dirty="0" smtClean="0"/>
+              <a:t>Test and verification of modem requirements.</a:t>
+            </a:r>
+          </a:p>
+          <a:p>
+            <a:pPr marL="285750" indent="-285750">
+              <a:buFont typeface="Arial" panose="020B0604020202020204" pitchFamily="34" charset="0"/>
+              <a:buChar char="•"/>
+            </a:pPr>
+            <a:endParaRPr lang="en-US" dirty="0"/>
+          </a:p>
+          <a:p>
+            <a:pPr marL="285750" indent="-285750">
+              <a:buFont typeface="Arial" panose="020B0604020202020204" pitchFamily="34" charset="0"/>
+              <a:buChar char="•"/>
+            </a:pPr>
+            <a:r>
+              <a:rPr lang="en-US" dirty="0" smtClean="0"/>
+              <a:t>Performance Comparison of BPSK modems</a:t>
+            </a:r>
+            <a:endParaRPr lang="en-US" dirty="0"/>
+          </a:p>
+        </p:txBody>
+      </p:sp>
+    </p:spTree>
+    <p:extLst>
+      <p:ext uri="{BB962C8B-B14F-4D97-AF65-F5344CB8AC3E}">
+        <p14:creationId xmlns:p14="http://schemas.microsoft.com/office/powerpoint/2010/main" val="3197915074"/>
+      </p:ext>
+    </p:extLst>
+  </p:cSld>
+  <p:clrMapOvr>
+    <a:masterClrMapping/>
+  </p:clrMapOvr>
+  <p:timing>
+    <p:tnLst>
+      <p:par>
+        <p:cTn id="1" dur="indefinite" restart="never" nodeType="tmRoot"/>
+      </p:par>
+    </p:tnLst>
+  </p:timing>
+</p:sld>
+</file>
+
 <file path=ppt/slides/slide2.xml><?xml version="1.0" encoding="utf-8"?>
 <p:sld xmlns:a="http://schemas.openxmlformats.org/drawingml/2006/main" xmlns:r="http://schemas.openxmlformats.org/officeDocument/2006/relationships" xmlns:p="http://schemas.openxmlformats.org/presentationml/2006/main">
   <p:cSld>
@@ -3172,8 +3463,8 @@
           </a:extLst>
         </p:spPr>
       </p:pic>
-      <mc:AlternateContent xmlns:mc="http://schemas.openxmlformats.org/markup-compatibility/2006">
-        <mc:Choice xmlns:a14="http://schemas.microsoft.com/office/drawing/2010/main" Requires="a14">
+      <mc:AlternateContent xmlns:mc="http://schemas.openxmlformats.org/markup-compatibility/2006" xmlns:a14="http://schemas.microsoft.com/office/drawing/2010/main">
+        <mc:Choice Requires="a14">
           <p:sp>
             <p:nvSpPr>
               <p:cNvPr id="10" name="Rectangle 9"/>
@@ -3195,6 +3486,7 @@
               </a:bodyPr>
               <a:lstStyle/>
               <a:p>
+                <a:pPr/>
                 <a14:m>
                   <m:oMathPara xmlns:m="http://schemas.openxmlformats.org/officeDocument/2006/math">
                     <m:oMathParaPr>
@@ -3233,25 +3525,33 @@
                       <m:f>
                         <m:fPr>
                           <m:ctrlPr>
-                            <a:rPr lang="en-US" i="1"/>
+                            <a:rPr lang="en-US" i="1">
+                              <a:latin typeface="Cambria Math" panose="02040503050406030204" pitchFamily="18" charset="0"/>
+                            </a:rPr>
                           </m:ctrlPr>
                         </m:fPr>
                         <m:num>
                           <m:sSub>
                             <m:sSubPr>
                               <m:ctrlPr>
-                                <a:rPr lang="en-US" i="1"/>
+                                <a:rPr lang="en-US" i="1">
+                                  <a:latin typeface="Cambria Math" panose="02040503050406030204" pitchFamily="18" charset="0"/>
+                                </a:rPr>
                               </m:ctrlPr>
                             </m:sSubPr>
                             <m:e>
                               <m:r>
-                                <a:rPr lang="en-US" i="1"/>
+                                <a:rPr lang="en-US" i="1">
+                                  <a:latin typeface="Cambria Math" panose="02040503050406030204" pitchFamily="18" charset="0"/>
+                                </a:rPr>
                                 <m:t>𝐾</m:t>
                               </m:r>
                             </m:e>
                             <m:sub>
                               <m:r>
-                                <a:rPr lang="en-US" i="1"/>
+                                <a:rPr lang="en-US" i="1">
+                                  <a:latin typeface="Cambria Math" panose="02040503050406030204" pitchFamily="18" charset="0"/>
+                                </a:rPr>
                                 <m:t>𝑑</m:t>
                               </m:r>
                             </m:sub>
@@ -3259,35 +3559,47 @@
                           <m:sSub>
                             <m:sSubPr>
                               <m:ctrlPr>
-                                <a:rPr lang="en-US" i="1"/>
+                                <a:rPr lang="en-US" i="1">
+                                  <a:latin typeface="Cambria Math" panose="02040503050406030204" pitchFamily="18" charset="0"/>
+                                </a:rPr>
                               </m:ctrlPr>
                             </m:sSubPr>
                             <m:e>
                               <m:r>
-                                <a:rPr lang="en-US" i="1"/>
+                                <a:rPr lang="en-US" i="1">
+                                  <a:latin typeface="Cambria Math" panose="02040503050406030204" pitchFamily="18" charset="0"/>
+                                </a:rPr>
                                 <m:t>𝐾</m:t>
                               </m:r>
                             </m:e>
                             <m:sub>
                               <m:r>
-                                <a:rPr lang="en-US" i="1"/>
+                                <a:rPr lang="en-US" i="1">
+                                  <a:latin typeface="Cambria Math" panose="02040503050406030204" pitchFamily="18" charset="0"/>
+                                </a:rPr>
                                 <m:t>𝑣</m:t>
                               </m:r>
                             </m:sub>
                           </m:sSub>
                           <m:r>
-                            <a:rPr lang="en-US" i="1"/>
+                            <a:rPr lang="en-US" i="1">
+                              <a:latin typeface="Cambria Math" panose="02040503050406030204" pitchFamily="18" charset="0"/>
+                            </a:rPr>
                             <m:t>𝐿</m:t>
                           </m:r>
                           <m:d>
                             <m:dPr>
                               <m:ctrlPr>
-                                <a:rPr lang="en-US" i="1"/>
+                                <a:rPr lang="en-US" i="1">
+                                  <a:latin typeface="Cambria Math" panose="02040503050406030204" pitchFamily="18" charset="0"/>
+                                </a:rPr>
                               </m:ctrlPr>
                             </m:dPr>
                             <m:e>
                               <m:r>
-                                <a:rPr lang="en-US" i="1"/>
+                                <a:rPr lang="en-US" i="1">
+                                  <a:latin typeface="Cambria Math" panose="02040503050406030204" pitchFamily="18" charset="0"/>
+                                </a:rPr>
                                 <m:t>𝑠</m:t>
                               </m:r>
                             </m:e>
@@ -3295,28 +3607,38 @@
                         </m:num>
                         <m:den>
                           <m:r>
-                            <a:rPr lang="en-US" i="1"/>
+                            <a:rPr lang="en-US" i="1">
+                              <a:latin typeface="Cambria Math" panose="02040503050406030204" pitchFamily="18" charset="0"/>
+                            </a:rPr>
                             <m:t>𝑠</m:t>
                           </m:r>
                           <m:r>
-                            <a:rPr lang="en-US" i="1"/>
+                            <a:rPr lang="en-US" i="1">
+                              <a:latin typeface="Cambria Math" panose="02040503050406030204" pitchFamily="18" charset="0"/>
+                            </a:rPr>
                             <m:t>+</m:t>
                           </m:r>
                           <m:sSub>
                             <m:sSubPr>
                               <m:ctrlPr>
-                                <a:rPr lang="en-US" i="1"/>
+                                <a:rPr lang="en-US" i="1">
+                                  <a:latin typeface="Cambria Math" panose="02040503050406030204" pitchFamily="18" charset="0"/>
+                                </a:rPr>
                               </m:ctrlPr>
                             </m:sSubPr>
                             <m:e>
                               <m:r>
-                                <a:rPr lang="en-US" i="1"/>
+                                <a:rPr lang="en-US" i="1">
+                                  <a:latin typeface="Cambria Math" panose="02040503050406030204" pitchFamily="18" charset="0"/>
+                                </a:rPr>
                                 <m:t>𝐾</m:t>
                               </m:r>
                             </m:e>
                             <m:sub>
                               <m:r>
-                                <a:rPr lang="en-US" i="1"/>
+                                <a:rPr lang="en-US" i="1">
+                                  <a:latin typeface="Cambria Math" panose="02040503050406030204" pitchFamily="18" charset="0"/>
+                                </a:rPr>
                                 <m:t>𝑑</m:t>
                               </m:r>
                             </m:sub>
@@ -3324,35 +3646,47 @@
                           <m:sSub>
                             <m:sSubPr>
                               <m:ctrlPr>
-                                <a:rPr lang="en-US" i="1"/>
+                                <a:rPr lang="en-US" i="1">
+                                  <a:latin typeface="Cambria Math" panose="02040503050406030204" pitchFamily="18" charset="0"/>
+                                </a:rPr>
                               </m:ctrlPr>
                             </m:sSubPr>
                             <m:e>
                               <m:r>
-                                <a:rPr lang="en-US" i="1"/>
+                                <a:rPr lang="en-US" i="1">
+                                  <a:latin typeface="Cambria Math" panose="02040503050406030204" pitchFamily="18" charset="0"/>
+                                </a:rPr>
                                 <m:t>𝐾</m:t>
                               </m:r>
                             </m:e>
                             <m:sub>
                               <m:r>
-                                <a:rPr lang="en-US" i="1"/>
+                                <a:rPr lang="en-US" i="1">
+                                  <a:latin typeface="Cambria Math" panose="02040503050406030204" pitchFamily="18" charset="0"/>
+                                </a:rPr>
                                 <m:t>𝑣</m:t>
                               </m:r>
                             </m:sub>
                           </m:sSub>
                           <m:r>
-                            <a:rPr lang="en-US" i="1"/>
+                            <a:rPr lang="en-US" i="1">
+                              <a:latin typeface="Cambria Math" panose="02040503050406030204" pitchFamily="18" charset="0"/>
+                            </a:rPr>
                             <m:t>𝐿</m:t>
                           </m:r>
                           <m:d>
                             <m:dPr>
                               <m:ctrlPr>
-                                <a:rPr lang="en-US" i="1"/>
+                                <a:rPr lang="en-US" i="1">
+                                  <a:latin typeface="Cambria Math" panose="02040503050406030204" pitchFamily="18" charset="0"/>
+                                </a:rPr>
                               </m:ctrlPr>
                             </m:dPr>
                             <m:e>
                               <m:r>
-                                <a:rPr lang="en-US" i="1"/>
+                                <a:rPr lang="en-US" i="1">
+                                  <a:latin typeface="Cambria Math" panose="02040503050406030204" pitchFamily="18" charset="0"/>
+                                </a:rPr>
                                 <m:t>𝑠</m:t>
                               </m:r>
                             </m:e>
@@ -3591,7 +3925,7 @@
             </p:txBody>
           </p:sp>
         </mc:Choice>
-        <mc:Fallback>
+        <mc:Fallback xmlns="">
           <p:sp>
             <p:nvSpPr>
               <p:cNvPr id="10" name="Rectangle 9"/>
@@ -3630,8 +3964,8 @@
           </p:sp>
         </mc:Fallback>
       </mc:AlternateContent>
-      <mc:AlternateContent xmlns:mc="http://schemas.openxmlformats.org/markup-compatibility/2006">
-        <mc:Choice xmlns:a14="http://schemas.microsoft.com/office/drawing/2010/main" Requires="a14">
+      <mc:AlternateContent xmlns:mc="http://schemas.openxmlformats.org/markup-compatibility/2006" xmlns:a14="http://schemas.microsoft.com/office/drawing/2010/main">
+        <mc:Choice Requires="a14">
           <p:sp>
             <p:nvSpPr>
               <p:cNvPr id="11" name="Rectangle 10"/>
@@ -3653,6 +3987,7 @@
               </a:bodyPr>
               <a:lstStyle/>
               <a:p>
+                <a:pPr/>
                 <a14:m>
                   <m:oMathPara xmlns:m="http://schemas.openxmlformats.org/officeDocument/2006/math">
                     <m:oMathParaPr>
@@ -3662,7 +3997,7 @@
                       <m:sSub>
                         <m:sSubPr>
                           <m:ctrlPr>
-                            <a:rPr lang="en-US" smtClean="0">
+                            <a:rPr lang="en-US" i="1" smtClean="0">
                               <a:latin typeface="Cambria Math" panose="02040503050406030204" pitchFamily="18" charset="0"/>
                             </a:rPr>
                           </m:ctrlPr>
@@ -3786,7 +4121,7 @@
             </p:txBody>
           </p:sp>
         </mc:Choice>
-        <mc:Fallback>
+        <mc:Fallback xmlns="">
           <p:sp>
             <p:nvSpPr>
               <p:cNvPr id="11" name="Rectangle 10"/>
@@ -3825,8 +4160,8 @@
           </p:sp>
         </mc:Fallback>
       </mc:AlternateContent>
-      <mc:AlternateContent xmlns:mc="http://schemas.openxmlformats.org/markup-compatibility/2006">
-        <mc:Choice xmlns:a14="http://schemas.microsoft.com/office/drawing/2010/main" Requires="a14">
+      <mc:AlternateContent xmlns:mc="http://schemas.openxmlformats.org/markup-compatibility/2006" xmlns:a14="http://schemas.microsoft.com/office/drawing/2010/main">
+        <mc:Choice Requires="a14">
           <p:sp>
             <p:nvSpPr>
               <p:cNvPr id="12" name="Rectangle 11"/>
@@ -3848,6 +4183,7 @@
               </a:bodyPr>
               <a:lstStyle/>
               <a:p>
+                <a:pPr/>
                 <a14:m>
                   <m:oMathPara xmlns:m="http://schemas.openxmlformats.org/officeDocument/2006/math">
                     <m:oMathParaPr>
@@ -3999,7 +4335,7 @@
             </p:txBody>
           </p:sp>
         </mc:Choice>
-        <mc:Fallback>
+        <mc:Fallback xmlns="">
           <p:sp>
             <p:nvSpPr>
               <p:cNvPr id="12" name="Rectangle 11"/>
@@ -4038,8 +4374,8 @@
           </p:sp>
         </mc:Fallback>
       </mc:AlternateContent>
-      <mc:AlternateContent xmlns:mc="http://schemas.openxmlformats.org/markup-compatibility/2006">
-        <mc:Choice xmlns:a14="http://schemas.microsoft.com/office/drawing/2010/main" Requires="a14">
+      <mc:AlternateContent xmlns:mc="http://schemas.openxmlformats.org/markup-compatibility/2006" xmlns:a14="http://schemas.microsoft.com/office/drawing/2010/main">
+        <mc:Choice Requires="a14">
           <p:sp>
             <p:nvSpPr>
               <p:cNvPr id="13" name="Rectangle 12"/>
@@ -4061,6 +4397,7 @@
               </a:bodyPr>
               <a:lstStyle/>
               <a:p>
+                <a:pPr/>
                 <a14:m>
                   <m:oMathPara xmlns:m="http://schemas.openxmlformats.org/officeDocument/2006/math">
                     <m:oMathParaPr>
@@ -4185,7 +4522,7 @@
             </p:txBody>
           </p:sp>
         </mc:Choice>
-        <mc:Fallback>
+        <mc:Fallback xmlns="">
           <p:sp>
             <p:nvSpPr>
               <p:cNvPr id="13" name="Rectangle 12"/>
@@ -4224,8 +4561,8 @@
           </p:sp>
         </mc:Fallback>
       </mc:AlternateContent>
-      <mc:AlternateContent xmlns:mc="http://schemas.openxmlformats.org/markup-compatibility/2006">
-        <mc:Choice xmlns:a14="http://schemas.microsoft.com/office/drawing/2010/main" Requires="a14">
+      <mc:AlternateContent xmlns:mc="http://schemas.openxmlformats.org/markup-compatibility/2006" xmlns:a14="http://schemas.microsoft.com/office/drawing/2010/main">
+        <mc:Choice Requires="a14">
           <p:sp>
             <p:nvSpPr>
               <p:cNvPr id="15" name="Rectangle 14"/>
@@ -4247,6 +4584,7 @@
               </a:bodyPr>
               <a:lstStyle/>
               <a:p>
+                <a:pPr/>
                 <a14:m>
                   <m:oMathPara xmlns:m="http://schemas.openxmlformats.org/officeDocument/2006/math">
                     <m:oMathParaPr>
@@ -4256,7 +4594,7 @@
                       <m:sSub>
                         <m:sSubPr>
                           <m:ctrlPr>
-                            <a:rPr lang="en-US" smtClean="0">
+                            <a:rPr lang="en-US" i="1" smtClean="0">
                               <a:latin typeface="Cambria Math" panose="02040503050406030204" pitchFamily="18" charset="0"/>
                             </a:rPr>
                           </m:ctrlPr>
@@ -4343,7 +4681,7 @@
             </p:txBody>
           </p:sp>
         </mc:Choice>
-        <mc:Fallback>
+        <mc:Fallback xmlns="">
           <p:sp>
             <p:nvSpPr>
               <p:cNvPr id="15" name="Rectangle 14"/>
@@ -4445,10 +4783,16 @@
               <a:buChar char="•"/>
             </a:pPr>
             <a:r>
-              <a:rPr lang="en-US" dirty="0" smtClean="0"/>
+              <a:rPr lang="en-US" dirty="0" smtClean="0">
+                <a:latin typeface="Times New Roman" panose="02020603050405020304" pitchFamily="18" charset="0"/>
+                <a:cs typeface="Times New Roman" panose="02020603050405020304" pitchFamily="18" charset="0"/>
+              </a:rPr>
               <a:t>Actual PLL Implemented in squaring loop demodulator</a:t>
             </a:r>
-            <a:endParaRPr lang="en-US" dirty="0"/>
+            <a:endParaRPr lang="en-US" dirty="0">
+              <a:latin typeface="Times New Roman" panose="02020603050405020304" pitchFamily="18" charset="0"/>
+              <a:cs typeface="Times New Roman" panose="02020603050405020304" pitchFamily="18" charset="0"/>
+            </a:endParaRPr>
           </a:p>
         </p:txBody>
       </p:sp>
@@ -4479,10 +4823,16 @@
               <a:buChar char="•"/>
             </a:pPr>
             <a:r>
-              <a:rPr lang="en-US" dirty="0" smtClean="0"/>
+              <a:rPr lang="en-US" dirty="0" smtClean="0">
+                <a:latin typeface="Times New Roman" panose="02020603050405020304" pitchFamily="18" charset="0"/>
+                <a:cs typeface="Times New Roman" panose="02020603050405020304" pitchFamily="18" charset="0"/>
+              </a:rPr>
               <a:t>Linearized PLL model used for verifying equations match actual PLL response</a:t>
             </a:r>
-            <a:endParaRPr lang="en-US" dirty="0"/>
+            <a:endParaRPr lang="en-US" dirty="0">
+              <a:latin typeface="Times New Roman" panose="02020603050405020304" pitchFamily="18" charset="0"/>
+              <a:cs typeface="Times New Roman" panose="02020603050405020304" pitchFamily="18" charset="0"/>
+            </a:endParaRPr>
           </a:p>
         </p:txBody>
       </p:sp>
